--- a/ppt 16-9/0933.努力向前走.pptx
+++ b/ppt 16-9/0933.努力向前走.pptx
@@ -5,7 +5,7 @@
     <p:sldMasterId id="2147483648" r:id="rId1"/>
   </p:sldMasterIdLst>
   <p:sldIdLst>
-    <p:sldId id="306" r:id="rId2"/>
+    <p:sldId id="308" r:id="rId2"/>
   </p:sldIdLst>
   <p:sldSz cx="12192000" cy="6858000"/>
   <p:notesSz cx="6858000" cy="9144000"/>
@@ -129,7 +129,7 @@
           <p:cNvPr id="2" name="标题 1">
             <a:extLst>
               <a:ext uri="{FF2B5EF4-FFF2-40B4-BE49-F238E27FC236}">
-                <a16:creationId xmlns:a16="http://schemas.microsoft.com/office/drawing/2014/main" id="{4877ADAE-57CE-2C86-1AEF-A39AA26D8F11}"/>
+                <a16:creationId xmlns:a16="http://schemas.microsoft.com/office/drawing/2014/main" id="{4A229892-6EB5-CCFD-4366-8C5EAC68E84F}"/>
               </a:ext>
             </a:extLst>
           </p:cNvPr>
@@ -166,7 +166,7 @@
           <p:cNvPr id="3" name="副标题 2">
             <a:extLst>
               <a:ext uri="{FF2B5EF4-FFF2-40B4-BE49-F238E27FC236}">
-                <a16:creationId xmlns:a16="http://schemas.microsoft.com/office/drawing/2014/main" id="{5C5C6FEB-F584-6988-B28E-D0EDF83CDB2E}"/>
+                <a16:creationId xmlns:a16="http://schemas.microsoft.com/office/drawing/2014/main" id="{A9CAA77C-17CD-6BA5-8605-027FF3015F2F}"/>
               </a:ext>
             </a:extLst>
           </p:cNvPr>
@@ -236,7 +236,7 @@
           <p:cNvPr id="4" name="日期占位符 3">
             <a:extLst>
               <a:ext uri="{FF2B5EF4-FFF2-40B4-BE49-F238E27FC236}">
-                <a16:creationId xmlns:a16="http://schemas.microsoft.com/office/drawing/2014/main" id="{65911706-EF45-C8BC-8C74-3DEFB7A6D9AC}"/>
+                <a16:creationId xmlns:a16="http://schemas.microsoft.com/office/drawing/2014/main" id="{8171F4FA-372A-F485-4D65-DDF2BB7C29F3}"/>
               </a:ext>
             </a:extLst>
           </p:cNvPr>
@@ -252,7 +252,7 @@
           <a:bodyPr/>
           <a:lstStyle/>
           <a:p>
-            <a:fld id="{349F8B50-84F5-489C-8FDE-343EB8B3B3E4}" type="datetimeFigureOut">
+            <a:fld id="{2F7E5EF4-C793-4F94-8F0D-63E9151F4E51}" type="datetimeFigureOut">
               <a:rPr lang="zh-CN" altLang="en-US" smtClean="0"/>
               <a:t>2024/3/10</a:t>
             </a:fld>
@@ -265,7 +265,7 @@
           <p:cNvPr id="5" name="页脚占位符 4">
             <a:extLst>
               <a:ext uri="{FF2B5EF4-FFF2-40B4-BE49-F238E27FC236}">
-                <a16:creationId xmlns:a16="http://schemas.microsoft.com/office/drawing/2014/main" id="{21B8A069-7751-C685-B3F6-1F58EE576F1F}"/>
+                <a16:creationId xmlns:a16="http://schemas.microsoft.com/office/drawing/2014/main" id="{DA0167CA-312B-0AAC-7A52-EA086EA89795}"/>
               </a:ext>
             </a:extLst>
           </p:cNvPr>
@@ -290,7 +290,7 @@
           <p:cNvPr id="6" name="灯片编号占位符 5">
             <a:extLst>
               <a:ext uri="{FF2B5EF4-FFF2-40B4-BE49-F238E27FC236}">
-                <a16:creationId xmlns:a16="http://schemas.microsoft.com/office/drawing/2014/main" id="{F073ACEE-65C9-33F2-7194-6C0561C1818F}"/>
+                <a16:creationId xmlns:a16="http://schemas.microsoft.com/office/drawing/2014/main" id="{6F3BC692-6E62-0FBD-1CE4-FFAF1F09EAE3}"/>
               </a:ext>
             </a:extLst>
           </p:cNvPr>
@@ -306,7 +306,7 @@
           <a:bodyPr/>
           <a:lstStyle/>
           <a:p>
-            <a:fld id="{F6B87D90-93B5-461F-B2CE-A0D66C89F80F}" type="slidenum">
+            <a:fld id="{DD51E573-D595-4913-A69C-FFE51F585902}" type="slidenum">
               <a:rPr lang="zh-CN" altLang="en-US" smtClean="0"/>
               <a:t>‹#›</a:t>
             </a:fld>
@@ -317,7 +317,7 @@
     </p:spTree>
     <p:extLst>
       <p:ext uri="{BB962C8B-B14F-4D97-AF65-F5344CB8AC3E}">
-        <p14:creationId xmlns:p14="http://schemas.microsoft.com/office/powerpoint/2010/main" val="822771543"/>
+        <p14:creationId xmlns:p14="http://schemas.microsoft.com/office/powerpoint/2010/main" val="306767670"/>
       </p:ext>
     </p:extLst>
   </p:cSld>
@@ -349,7 +349,7 @@
           <p:cNvPr id="2" name="标题 1">
             <a:extLst>
               <a:ext uri="{FF2B5EF4-FFF2-40B4-BE49-F238E27FC236}">
-                <a16:creationId xmlns:a16="http://schemas.microsoft.com/office/drawing/2014/main" id="{189C37AE-D31A-ED8A-480E-BF9575CFE7B3}"/>
+                <a16:creationId xmlns:a16="http://schemas.microsoft.com/office/drawing/2014/main" id="{672B7878-F434-8A3C-89F7-9577A7E6ABC0}"/>
               </a:ext>
             </a:extLst>
           </p:cNvPr>
@@ -377,7 +377,7 @@
           <p:cNvPr id="3" name="竖排文字占位符 2">
             <a:extLst>
               <a:ext uri="{FF2B5EF4-FFF2-40B4-BE49-F238E27FC236}">
-                <a16:creationId xmlns:a16="http://schemas.microsoft.com/office/drawing/2014/main" id="{320D089E-3344-8E66-DF83-8BA50DEE2403}"/>
+                <a16:creationId xmlns:a16="http://schemas.microsoft.com/office/drawing/2014/main" id="{15B7C9C4-16DB-70E8-7C0E-1199BA1035C5}"/>
               </a:ext>
             </a:extLst>
           </p:cNvPr>
@@ -434,7 +434,7 @@
           <p:cNvPr id="4" name="日期占位符 3">
             <a:extLst>
               <a:ext uri="{FF2B5EF4-FFF2-40B4-BE49-F238E27FC236}">
-                <a16:creationId xmlns:a16="http://schemas.microsoft.com/office/drawing/2014/main" id="{7391740D-5705-9619-54BE-A8CAD2C2B431}"/>
+                <a16:creationId xmlns:a16="http://schemas.microsoft.com/office/drawing/2014/main" id="{7657D0F2-ED24-78D1-803C-245D600A4C20}"/>
               </a:ext>
             </a:extLst>
           </p:cNvPr>
@@ -450,7 +450,7 @@
           <a:bodyPr/>
           <a:lstStyle/>
           <a:p>
-            <a:fld id="{349F8B50-84F5-489C-8FDE-343EB8B3B3E4}" type="datetimeFigureOut">
+            <a:fld id="{2F7E5EF4-C793-4F94-8F0D-63E9151F4E51}" type="datetimeFigureOut">
               <a:rPr lang="zh-CN" altLang="en-US" smtClean="0"/>
               <a:t>2024/3/10</a:t>
             </a:fld>
@@ -463,7 +463,7 @@
           <p:cNvPr id="5" name="页脚占位符 4">
             <a:extLst>
               <a:ext uri="{FF2B5EF4-FFF2-40B4-BE49-F238E27FC236}">
-                <a16:creationId xmlns:a16="http://schemas.microsoft.com/office/drawing/2014/main" id="{E7C0ABC0-DA2E-FAAC-6C41-8F16C3182E38}"/>
+                <a16:creationId xmlns:a16="http://schemas.microsoft.com/office/drawing/2014/main" id="{6EBC04F7-164A-6E53-12F5-CB3495063C34}"/>
               </a:ext>
             </a:extLst>
           </p:cNvPr>
@@ -488,7 +488,7 @@
           <p:cNvPr id="6" name="灯片编号占位符 5">
             <a:extLst>
               <a:ext uri="{FF2B5EF4-FFF2-40B4-BE49-F238E27FC236}">
-                <a16:creationId xmlns:a16="http://schemas.microsoft.com/office/drawing/2014/main" id="{BA074E71-DA77-599B-FAA9-87B1E0B3EECD}"/>
+                <a16:creationId xmlns:a16="http://schemas.microsoft.com/office/drawing/2014/main" id="{7FD7D127-2DB6-1ED5-4282-C0F5B8EF3C69}"/>
               </a:ext>
             </a:extLst>
           </p:cNvPr>
@@ -504,7 +504,7 @@
           <a:bodyPr/>
           <a:lstStyle/>
           <a:p>
-            <a:fld id="{F6B87D90-93B5-461F-B2CE-A0D66C89F80F}" type="slidenum">
+            <a:fld id="{DD51E573-D595-4913-A69C-FFE51F585902}" type="slidenum">
               <a:rPr lang="zh-CN" altLang="en-US" smtClean="0"/>
               <a:t>‹#›</a:t>
             </a:fld>
@@ -515,7 +515,7 @@
     </p:spTree>
     <p:extLst>
       <p:ext uri="{BB962C8B-B14F-4D97-AF65-F5344CB8AC3E}">
-        <p14:creationId xmlns:p14="http://schemas.microsoft.com/office/powerpoint/2010/main" val="3431607308"/>
+        <p14:creationId xmlns:p14="http://schemas.microsoft.com/office/powerpoint/2010/main" val="1462139200"/>
       </p:ext>
     </p:extLst>
   </p:cSld>
@@ -547,7 +547,7 @@
           <p:cNvPr id="2" name="竖排标题 1">
             <a:extLst>
               <a:ext uri="{FF2B5EF4-FFF2-40B4-BE49-F238E27FC236}">
-                <a16:creationId xmlns:a16="http://schemas.microsoft.com/office/drawing/2014/main" id="{AE9BB533-99E8-EF7A-546B-8A4C0901BEBD}"/>
+                <a16:creationId xmlns:a16="http://schemas.microsoft.com/office/drawing/2014/main" id="{DF97740F-1B79-D914-B3A6-3CF1A0F1443A}"/>
               </a:ext>
             </a:extLst>
           </p:cNvPr>
@@ -580,7 +580,7 @@
           <p:cNvPr id="3" name="竖排文字占位符 2">
             <a:extLst>
               <a:ext uri="{FF2B5EF4-FFF2-40B4-BE49-F238E27FC236}">
-                <a16:creationId xmlns:a16="http://schemas.microsoft.com/office/drawing/2014/main" id="{F4635669-8294-ECA8-A2F1-4E13B39A5D08}"/>
+                <a16:creationId xmlns:a16="http://schemas.microsoft.com/office/drawing/2014/main" id="{449470A4-FEBD-DEA4-8A09-430C8D754EFA}"/>
               </a:ext>
             </a:extLst>
           </p:cNvPr>
@@ -642,7 +642,7 @@
           <p:cNvPr id="4" name="日期占位符 3">
             <a:extLst>
               <a:ext uri="{FF2B5EF4-FFF2-40B4-BE49-F238E27FC236}">
-                <a16:creationId xmlns:a16="http://schemas.microsoft.com/office/drawing/2014/main" id="{F8C4AD46-F943-D83B-69A2-318FDDDBCF99}"/>
+                <a16:creationId xmlns:a16="http://schemas.microsoft.com/office/drawing/2014/main" id="{BCAA9C2E-6E49-B30F-AFD9-FB4A75A31D1F}"/>
               </a:ext>
             </a:extLst>
           </p:cNvPr>
@@ -658,7 +658,7 @@
           <a:bodyPr/>
           <a:lstStyle/>
           <a:p>
-            <a:fld id="{349F8B50-84F5-489C-8FDE-343EB8B3B3E4}" type="datetimeFigureOut">
+            <a:fld id="{2F7E5EF4-C793-4F94-8F0D-63E9151F4E51}" type="datetimeFigureOut">
               <a:rPr lang="zh-CN" altLang="en-US" smtClean="0"/>
               <a:t>2024/3/10</a:t>
             </a:fld>
@@ -671,7 +671,7 @@
           <p:cNvPr id="5" name="页脚占位符 4">
             <a:extLst>
               <a:ext uri="{FF2B5EF4-FFF2-40B4-BE49-F238E27FC236}">
-                <a16:creationId xmlns:a16="http://schemas.microsoft.com/office/drawing/2014/main" id="{9A6BA4CC-03CF-FD8F-ABF4-29835E4BBE52}"/>
+                <a16:creationId xmlns:a16="http://schemas.microsoft.com/office/drawing/2014/main" id="{F025AABA-92FB-2AFB-B0A3-FA9BF783E73F}"/>
               </a:ext>
             </a:extLst>
           </p:cNvPr>
@@ -696,7 +696,7 @@
           <p:cNvPr id="6" name="灯片编号占位符 5">
             <a:extLst>
               <a:ext uri="{FF2B5EF4-FFF2-40B4-BE49-F238E27FC236}">
-                <a16:creationId xmlns:a16="http://schemas.microsoft.com/office/drawing/2014/main" id="{AE2E1DEF-8CBE-02A0-6362-17B89BA5DE1B}"/>
+                <a16:creationId xmlns:a16="http://schemas.microsoft.com/office/drawing/2014/main" id="{DE8BBA38-65AE-99D2-5FBF-727E26C924A4}"/>
               </a:ext>
             </a:extLst>
           </p:cNvPr>
@@ -712,7 +712,7 @@
           <a:bodyPr/>
           <a:lstStyle/>
           <a:p>
-            <a:fld id="{F6B87D90-93B5-461F-B2CE-A0D66C89F80F}" type="slidenum">
+            <a:fld id="{DD51E573-D595-4913-A69C-FFE51F585902}" type="slidenum">
               <a:rPr lang="zh-CN" altLang="en-US" smtClean="0"/>
               <a:t>‹#›</a:t>
             </a:fld>
@@ -723,7 +723,7 @@
     </p:spTree>
     <p:extLst>
       <p:ext uri="{BB962C8B-B14F-4D97-AF65-F5344CB8AC3E}">
-        <p14:creationId xmlns:p14="http://schemas.microsoft.com/office/powerpoint/2010/main" val="3622666628"/>
+        <p14:creationId xmlns:p14="http://schemas.microsoft.com/office/powerpoint/2010/main" val="2336721804"/>
       </p:ext>
     </p:extLst>
   </p:cSld>
@@ -755,7 +755,7 @@
           <p:cNvPr id="2" name="标题 1">
             <a:extLst>
               <a:ext uri="{FF2B5EF4-FFF2-40B4-BE49-F238E27FC236}">
-                <a16:creationId xmlns:a16="http://schemas.microsoft.com/office/drawing/2014/main" id="{F113FE08-BE4A-FECA-BDB6-E0A9D8F8BCD0}"/>
+                <a16:creationId xmlns:a16="http://schemas.microsoft.com/office/drawing/2014/main" id="{B59AEC80-A86D-A761-B431-46C10CA3B65E}"/>
               </a:ext>
             </a:extLst>
           </p:cNvPr>
@@ -783,7 +783,7 @@
           <p:cNvPr id="3" name="内容占位符 2">
             <a:extLst>
               <a:ext uri="{FF2B5EF4-FFF2-40B4-BE49-F238E27FC236}">
-                <a16:creationId xmlns:a16="http://schemas.microsoft.com/office/drawing/2014/main" id="{AA7A00CC-2A53-2E48-F8E0-A4C12D0F8B60}"/>
+                <a16:creationId xmlns:a16="http://schemas.microsoft.com/office/drawing/2014/main" id="{5CCD8BDD-548F-E7DC-4D2A-DD037DE8720C}"/>
               </a:ext>
             </a:extLst>
           </p:cNvPr>
@@ -840,7 +840,7 @@
           <p:cNvPr id="4" name="日期占位符 3">
             <a:extLst>
               <a:ext uri="{FF2B5EF4-FFF2-40B4-BE49-F238E27FC236}">
-                <a16:creationId xmlns:a16="http://schemas.microsoft.com/office/drawing/2014/main" id="{34FA9CCB-359F-C58D-B68C-70B91E3FF7D3}"/>
+                <a16:creationId xmlns:a16="http://schemas.microsoft.com/office/drawing/2014/main" id="{0B6BACC1-563B-8921-0AEB-7616B84926F1}"/>
               </a:ext>
             </a:extLst>
           </p:cNvPr>
@@ -856,7 +856,7 @@
           <a:bodyPr/>
           <a:lstStyle/>
           <a:p>
-            <a:fld id="{349F8B50-84F5-489C-8FDE-343EB8B3B3E4}" type="datetimeFigureOut">
+            <a:fld id="{2F7E5EF4-C793-4F94-8F0D-63E9151F4E51}" type="datetimeFigureOut">
               <a:rPr lang="zh-CN" altLang="en-US" smtClean="0"/>
               <a:t>2024/3/10</a:t>
             </a:fld>
@@ -869,7 +869,7 @@
           <p:cNvPr id="5" name="页脚占位符 4">
             <a:extLst>
               <a:ext uri="{FF2B5EF4-FFF2-40B4-BE49-F238E27FC236}">
-                <a16:creationId xmlns:a16="http://schemas.microsoft.com/office/drawing/2014/main" id="{E36541C4-0E0C-CBC6-2C18-DED9ED306103}"/>
+                <a16:creationId xmlns:a16="http://schemas.microsoft.com/office/drawing/2014/main" id="{BD7CA881-4375-365A-7AD7-4717BFA3F289}"/>
               </a:ext>
             </a:extLst>
           </p:cNvPr>
@@ -894,7 +894,7 @@
           <p:cNvPr id="6" name="灯片编号占位符 5">
             <a:extLst>
               <a:ext uri="{FF2B5EF4-FFF2-40B4-BE49-F238E27FC236}">
-                <a16:creationId xmlns:a16="http://schemas.microsoft.com/office/drawing/2014/main" id="{F5DD53C0-6E9D-1640-C245-82F6434AEDD5}"/>
+                <a16:creationId xmlns:a16="http://schemas.microsoft.com/office/drawing/2014/main" id="{29B3AECC-BC9D-E957-6CC3-CAB9F28F467A}"/>
               </a:ext>
             </a:extLst>
           </p:cNvPr>
@@ -910,7 +910,7 @@
           <a:bodyPr/>
           <a:lstStyle/>
           <a:p>
-            <a:fld id="{F6B87D90-93B5-461F-B2CE-A0D66C89F80F}" type="slidenum">
+            <a:fld id="{DD51E573-D595-4913-A69C-FFE51F585902}" type="slidenum">
               <a:rPr lang="zh-CN" altLang="en-US" smtClean="0"/>
               <a:t>‹#›</a:t>
             </a:fld>
@@ -921,7 +921,7 @@
     </p:spTree>
     <p:extLst>
       <p:ext uri="{BB962C8B-B14F-4D97-AF65-F5344CB8AC3E}">
-        <p14:creationId xmlns:p14="http://schemas.microsoft.com/office/powerpoint/2010/main" val="4072702909"/>
+        <p14:creationId xmlns:p14="http://schemas.microsoft.com/office/powerpoint/2010/main" val="2682345022"/>
       </p:ext>
     </p:extLst>
   </p:cSld>
@@ -953,7 +953,7 @@
           <p:cNvPr id="2" name="标题 1">
             <a:extLst>
               <a:ext uri="{FF2B5EF4-FFF2-40B4-BE49-F238E27FC236}">
-                <a16:creationId xmlns:a16="http://schemas.microsoft.com/office/drawing/2014/main" id="{993CC4E6-4F54-2563-5BE4-AB46F38D39F4}"/>
+                <a16:creationId xmlns:a16="http://schemas.microsoft.com/office/drawing/2014/main" id="{ED07D667-47F0-377F-CC81-ABA4ED55D506}"/>
               </a:ext>
             </a:extLst>
           </p:cNvPr>
@@ -990,7 +990,7 @@
           <p:cNvPr id="3" name="文本占位符 2">
             <a:extLst>
               <a:ext uri="{FF2B5EF4-FFF2-40B4-BE49-F238E27FC236}">
-                <a16:creationId xmlns:a16="http://schemas.microsoft.com/office/drawing/2014/main" id="{856C94CE-05A6-EB3A-2EE0-034964D46E24}"/>
+                <a16:creationId xmlns:a16="http://schemas.microsoft.com/office/drawing/2014/main" id="{CCD7B822-6CE2-2B10-490A-4104B9B251D0}"/>
               </a:ext>
             </a:extLst>
           </p:cNvPr>
@@ -1115,7 +1115,7 @@
           <p:cNvPr id="4" name="日期占位符 3">
             <a:extLst>
               <a:ext uri="{FF2B5EF4-FFF2-40B4-BE49-F238E27FC236}">
-                <a16:creationId xmlns:a16="http://schemas.microsoft.com/office/drawing/2014/main" id="{6B0B222D-FE0D-F491-F81D-D4C6E67E5EB7}"/>
+                <a16:creationId xmlns:a16="http://schemas.microsoft.com/office/drawing/2014/main" id="{0856436B-6D39-E0FF-29D4-4AC3CCAF1233}"/>
               </a:ext>
             </a:extLst>
           </p:cNvPr>
@@ -1131,7 +1131,7 @@
           <a:bodyPr/>
           <a:lstStyle/>
           <a:p>
-            <a:fld id="{349F8B50-84F5-489C-8FDE-343EB8B3B3E4}" type="datetimeFigureOut">
+            <a:fld id="{2F7E5EF4-C793-4F94-8F0D-63E9151F4E51}" type="datetimeFigureOut">
               <a:rPr lang="zh-CN" altLang="en-US" smtClean="0"/>
               <a:t>2024/3/10</a:t>
             </a:fld>
@@ -1144,7 +1144,7 @@
           <p:cNvPr id="5" name="页脚占位符 4">
             <a:extLst>
               <a:ext uri="{FF2B5EF4-FFF2-40B4-BE49-F238E27FC236}">
-                <a16:creationId xmlns:a16="http://schemas.microsoft.com/office/drawing/2014/main" id="{E62E1A4C-7F8D-77FF-1C0B-A871113BFD12}"/>
+                <a16:creationId xmlns:a16="http://schemas.microsoft.com/office/drawing/2014/main" id="{507537F4-AC08-8B42-0259-2EEFFE9277B0}"/>
               </a:ext>
             </a:extLst>
           </p:cNvPr>
@@ -1169,7 +1169,7 @@
           <p:cNvPr id="6" name="灯片编号占位符 5">
             <a:extLst>
               <a:ext uri="{FF2B5EF4-FFF2-40B4-BE49-F238E27FC236}">
-                <a16:creationId xmlns:a16="http://schemas.microsoft.com/office/drawing/2014/main" id="{D1AB1291-1569-1658-345C-20ABA2E94D06}"/>
+                <a16:creationId xmlns:a16="http://schemas.microsoft.com/office/drawing/2014/main" id="{739CCE01-8691-CCCE-3EF3-9469FAEE5556}"/>
               </a:ext>
             </a:extLst>
           </p:cNvPr>
@@ -1185,7 +1185,7 @@
           <a:bodyPr/>
           <a:lstStyle/>
           <a:p>
-            <a:fld id="{F6B87D90-93B5-461F-B2CE-A0D66C89F80F}" type="slidenum">
+            <a:fld id="{DD51E573-D595-4913-A69C-FFE51F585902}" type="slidenum">
               <a:rPr lang="zh-CN" altLang="en-US" smtClean="0"/>
               <a:t>‹#›</a:t>
             </a:fld>
@@ -1196,7 +1196,7 @@
     </p:spTree>
     <p:extLst>
       <p:ext uri="{BB962C8B-B14F-4D97-AF65-F5344CB8AC3E}">
-        <p14:creationId xmlns:p14="http://schemas.microsoft.com/office/powerpoint/2010/main" val="449830569"/>
+        <p14:creationId xmlns:p14="http://schemas.microsoft.com/office/powerpoint/2010/main" val="350754384"/>
       </p:ext>
     </p:extLst>
   </p:cSld>
@@ -1228,7 +1228,7 @@
           <p:cNvPr id="2" name="标题 1">
             <a:extLst>
               <a:ext uri="{FF2B5EF4-FFF2-40B4-BE49-F238E27FC236}">
-                <a16:creationId xmlns:a16="http://schemas.microsoft.com/office/drawing/2014/main" id="{0994EDA4-82C2-9997-982A-207F4663E7C2}"/>
+                <a16:creationId xmlns:a16="http://schemas.microsoft.com/office/drawing/2014/main" id="{A84ED7DB-651C-8067-D3C0-5865304044CB}"/>
               </a:ext>
             </a:extLst>
           </p:cNvPr>
@@ -1256,7 +1256,7 @@
           <p:cNvPr id="3" name="内容占位符 2">
             <a:extLst>
               <a:ext uri="{FF2B5EF4-FFF2-40B4-BE49-F238E27FC236}">
-                <a16:creationId xmlns:a16="http://schemas.microsoft.com/office/drawing/2014/main" id="{CDA55509-B09F-A408-12B0-54B4148939AA}"/>
+                <a16:creationId xmlns:a16="http://schemas.microsoft.com/office/drawing/2014/main" id="{8B320416-3BEE-5D51-3F03-1775BA638256}"/>
               </a:ext>
             </a:extLst>
           </p:cNvPr>
@@ -1318,7 +1318,7 @@
           <p:cNvPr id="4" name="内容占位符 3">
             <a:extLst>
               <a:ext uri="{FF2B5EF4-FFF2-40B4-BE49-F238E27FC236}">
-                <a16:creationId xmlns:a16="http://schemas.microsoft.com/office/drawing/2014/main" id="{1150E02B-9564-609B-B166-FD4B0BC83041}"/>
+                <a16:creationId xmlns:a16="http://schemas.microsoft.com/office/drawing/2014/main" id="{CB063731-696F-018B-5210-69A13FD4A057}"/>
               </a:ext>
             </a:extLst>
           </p:cNvPr>
@@ -1380,7 +1380,7 @@
           <p:cNvPr id="5" name="日期占位符 4">
             <a:extLst>
               <a:ext uri="{FF2B5EF4-FFF2-40B4-BE49-F238E27FC236}">
-                <a16:creationId xmlns:a16="http://schemas.microsoft.com/office/drawing/2014/main" id="{4724291D-E198-3552-0164-FCB748593AFF}"/>
+                <a16:creationId xmlns:a16="http://schemas.microsoft.com/office/drawing/2014/main" id="{0527FA5C-B6CC-C7C0-D413-15134BB86789}"/>
               </a:ext>
             </a:extLst>
           </p:cNvPr>
@@ -1396,7 +1396,7 @@
           <a:bodyPr/>
           <a:lstStyle/>
           <a:p>
-            <a:fld id="{349F8B50-84F5-489C-8FDE-343EB8B3B3E4}" type="datetimeFigureOut">
+            <a:fld id="{2F7E5EF4-C793-4F94-8F0D-63E9151F4E51}" type="datetimeFigureOut">
               <a:rPr lang="zh-CN" altLang="en-US" smtClean="0"/>
               <a:t>2024/3/10</a:t>
             </a:fld>
@@ -1409,7 +1409,7 @@
           <p:cNvPr id="6" name="页脚占位符 5">
             <a:extLst>
               <a:ext uri="{FF2B5EF4-FFF2-40B4-BE49-F238E27FC236}">
-                <a16:creationId xmlns:a16="http://schemas.microsoft.com/office/drawing/2014/main" id="{E6A1E89D-6CA7-C24A-7CDB-658F4B8C8E0B}"/>
+                <a16:creationId xmlns:a16="http://schemas.microsoft.com/office/drawing/2014/main" id="{4681025F-37B2-0EDE-1B25-87189F40DF62}"/>
               </a:ext>
             </a:extLst>
           </p:cNvPr>
@@ -1434,7 +1434,7 @@
           <p:cNvPr id="7" name="灯片编号占位符 6">
             <a:extLst>
               <a:ext uri="{FF2B5EF4-FFF2-40B4-BE49-F238E27FC236}">
-                <a16:creationId xmlns:a16="http://schemas.microsoft.com/office/drawing/2014/main" id="{7CA06D4B-59F7-31A4-A374-CD2196F2004E}"/>
+                <a16:creationId xmlns:a16="http://schemas.microsoft.com/office/drawing/2014/main" id="{8A06705C-A0AA-E268-F192-6F8E9A1DA60F}"/>
               </a:ext>
             </a:extLst>
           </p:cNvPr>
@@ -1450,7 +1450,7 @@
           <a:bodyPr/>
           <a:lstStyle/>
           <a:p>
-            <a:fld id="{F6B87D90-93B5-461F-B2CE-A0D66C89F80F}" type="slidenum">
+            <a:fld id="{DD51E573-D595-4913-A69C-FFE51F585902}" type="slidenum">
               <a:rPr lang="zh-CN" altLang="en-US" smtClean="0"/>
               <a:t>‹#›</a:t>
             </a:fld>
@@ -1461,7 +1461,7 @@
     </p:spTree>
     <p:extLst>
       <p:ext uri="{BB962C8B-B14F-4D97-AF65-F5344CB8AC3E}">
-        <p14:creationId xmlns:p14="http://schemas.microsoft.com/office/powerpoint/2010/main" val="1287097350"/>
+        <p14:creationId xmlns:p14="http://schemas.microsoft.com/office/powerpoint/2010/main" val="659766329"/>
       </p:ext>
     </p:extLst>
   </p:cSld>
@@ -1493,7 +1493,7 @@
           <p:cNvPr id="2" name="标题 1">
             <a:extLst>
               <a:ext uri="{FF2B5EF4-FFF2-40B4-BE49-F238E27FC236}">
-                <a16:creationId xmlns:a16="http://schemas.microsoft.com/office/drawing/2014/main" id="{CAF79C5C-FB87-56E5-9A11-E6FDE291F255}"/>
+                <a16:creationId xmlns:a16="http://schemas.microsoft.com/office/drawing/2014/main" id="{D2DB8B92-40B7-5134-DF42-BF9FE192B599}"/>
               </a:ext>
             </a:extLst>
           </p:cNvPr>
@@ -1526,7 +1526,7 @@
           <p:cNvPr id="3" name="文本占位符 2">
             <a:extLst>
               <a:ext uri="{FF2B5EF4-FFF2-40B4-BE49-F238E27FC236}">
-                <a16:creationId xmlns:a16="http://schemas.microsoft.com/office/drawing/2014/main" id="{E3E91F48-791D-45C8-0AFB-0D3CAF79E9B7}"/>
+                <a16:creationId xmlns:a16="http://schemas.microsoft.com/office/drawing/2014/main" id="{C668D590-1D67-85C4-2D9F-B918B542F018}"/>
               </a:ext>
             </a:extLst>
           </p:cNvPr>
@@ -1597,7 +1597,7 @@
           <p:cNvPr id="4" name="内容占位符 3">
             <a:extLst>
               <a:ext uri="{FF2B5EF4-FFF2-40B4-BE49-F238E27FC236}">
-                <a16:creationId xmlns:a16="http://schemas.microsoft.com/office/drawing/2014/main" id="{F2D13B27-3BB1-51AA-30E2-7B469EB68BAF}"/>
+                <a16:creationId xmlns:a16="http://schemas.microsoft.com/office/drawing/2014/main" id="{1B16CDC2-8530-1466-1562-0D148CE068C1}"/>
               </a:ext>
             </a:extLst>
           </p:cNvPr>
@@ -1659,7 +1659,7 @@
           <p:cNvPr id="5" name="文本占位符 4">
             <a:extLst>
               <a:ext uri="{FF2B5EF4-FFF2-40B4-BE49-F238E27FC236}">
-                <a16:creationId xmlns:a16="http://schemas.microsoft.com/office/drawing/2014/main" id="{2D18571D-3035-E4B1-500A-B35A1D1571C7}"/>
+                <a16:creationId xmlns:a16="http://schemas.microsoft.com/office/drawing/2014/main" id="{81981125-2D20-49AC-BA8C-3441D3DE25A9}"/>
               </a:ext>
             </a:extLst>
           </p:cNvPr>
@@ -1730,7 +1730,7 @@
           <p:cNvPr id="6" name="内容占位符 5">
             <a:extLst>
               <a:ext uri="{FF2B5EF4-FFF2-40B4-BE49-F238E27FC236}">
-                <a16:creationId xmlns:a16="http://schemas.microsoft.com/office/drawing/2014/main" id="{D1E199A4-D882-323B-C202-61C93B26B91B}"/>
+                <a16:creationId xmlns:a16="http://schemas.microsoft.com/office/drawing/2014/main" id="{DD0CBC68-B8E4-8FD3-6082-D22E9C3527D9}"/>
               </a:ext>
             </a:extLst>
           </p:cNvPr>
@@ -1792,7 +1792,7 @@
           <p:cNvPr id="7" name="日期占位符 6">
             <a:extLst>
               <a:ext uri="{FF2B5EF4-FFF2-40B4-BE49-F238E27FC236}">
-                <a16:creationId xmlns:a16="http://schemas.microsoft.com/office/drawing/2014/main" id="{604ACDCF-C90A-C613-BB6A-86679586CC34}"/>
+                <a16:creationId xmlns:a16="http://schemas.microsoft.com/office/drawing/2014/main" id="{1C596127-FC0E-1DBB-AB45-7F0D0417BF16}"/>
               </a:ext>
             </a:extLst>
           </p:cNvPr>
@@ -1808,7 +1808,7 @@
           <a:bodyPr/>
           <a:lstStyle/>
           <a:p>
-            <a:fld id="{349F8B50-84F5-489C-8FDE-343EB8B3B3E4}" type="datetimeFigureOut">
+            <a:fld id="{2F7E5EF4-C793-4F94-8F0D-63E9151F4E51}" type="datetimeFigureOut">
               <a:rPr lang="zh-CN" altLang="en-US" smtClean="0"/>
               <a:t>2024/3/10</a:t>
             </a:fld>
@@ -1821,7 +1821,7 @@
           <p:cNvPr id="8" name="页脚占位符 7">
             <a:extLst>
               <a:ext uri="{FF2B5EF4-FFF2-40B4-BE49-F238E27FC236}">
-                <a16:creationId xmlns:a16="http://schemas.microsoft.com/office/drawing/2014/main" id="{C80EB630-4B6D-2432-01D9-2471176F7B33}"/>
+                <a16:creationId xmlns:a16="http://schemas.microsoft.com/office/drawing/2014/main" id="{D4D63B29-1DA7-5DA0-4472-D7335969D825}"/>
               </a:ext>
             </a:extLst>
           </p:cNvPr>
@@ -1846,7 +1846,7 @@
           <p:cNvPr id="9" name="灯片编号占位符 8">
             <a:extLst>
               <a:ext uri="{FF2B5EF4-FFF2-40B4-BE49-F238E27FC236}">
-                <a16:creationId xmlns:a16="http://schemas.microsoft.com/office/drawing/2014/main" id="{79BB7ADD-824B-D2C1-E118-84D4D6C0F1F7}"/>
+                <a16:creationId xmlns:a16="http://schemas.microsoft.com/office/drawing/2014/main" id="{206C27D3-BCD5-8EBF-9708-774F187048BE}"/>
               </a:ext>
             </a:extLst>
           </p:cNvPr>
@@ -1862,7 +1862,7 @@
           <a:bodyPr/>
           <a:lstStyle/>
           <a:p>
-            <a:fld id="{F6B87D90-93B5-461F-B2CE-A0D66C89F80F}" type="slidenum">
+            <a:fld id="{DD51E573-D595-4913-A69C-FFE51F585902}" type="slidenum">
               <a:rPr lang="zh-CN" altLang="en-US" smtClean="0"/>
               <a:t>‹#›</a:t>
             </a:fld>
@@ -1873,7 +1873,7 @@
     </p:spTree>
     <p:extLst>
       <p:ext uri="{BB962C8B-B14F-4D97-AF65-F5344CB8AC3E}">
-        <p14:creationId xmlns:p14="http://schemas.microsoft.com/office/powerpoint/2010/main" val="3568586496"/>
+        <p14:creationId xmlns:p14="http://schemas.microsoft.com/office/powerpoint/2010/main" val="2333586962"/>
       </p:ext>
     </p:extLst>
   </p:cSld>
@@ -1905,7 +1905,7 @@
           <p:cNvPr id="2" name="标题 1">
             <a:extLst>
               <a:ext uri="{FF2B5EF4-FFF2-40B4-BE49-F238E27FC236}">
-                <a16:creationId xmlns:a16="http://schemas.microsoft.com/office/drawing/2014/main" id="{4E1A2FEB-DC5E-A3FD-61DF-8E772EE47848}"/>
+                <a16:creationId xmlns:a16="http://schemas.microsoft.com/office/drawing/2014/main" id="{AAE825C8-19D3-2BE5-6934-CD54DF07353B}"/>
               </a:ext>
             </a:extLst>
           </p:cNvPr>
@@ -1933,7 +1933,7 @@
           <p:cNvPr id="3" name="日期占位符 2">
             <a:extLst>
               <a:ext uri="{FF2B5EF4-FFF2-40B4-BE49-F238E27FC236}">
-                <a16:creationId xmlns:a16="http://schemas.microsoft.com/office/drawing/2014/main" id="{2EAA8F17-F0B2-1751-E0E8-F69A34B1F0BF}"/>
+                <a16:creationId xmlns:a16="http://schemas.microsoft.com/office/drawing/2014/main" id="{D199289B-FDD8-2778-3EE6-2E24DEA15C96}"/>
               </a:ext>
             </a:extLst>
           </p:cNvPr>
@@ -1949,7 +1949,7 @@
           <a:bodyPr/>
           <a:lstStyle/>
           <a:p>
-            <a:fld id="{349F8B50-84F5-489C-8FDE-343EB8B3B3E4}" type="datetimeFigureOut">
+            <a:fld id="{2F7E5EF4-C793-4F94-8F0D-63E9151F4E51}" type="datetimeFigureOut">
               <a:rPr lang="zh-CN" altLang="en-US" smtClean="0"/>
               <a:t>2024/3/10</a:t>
             </a:fld>
@@ -1962,7 +1962,7 @@
           <p:cNvPr id="4" name="页脚占位符 3">
             <a:extLst>
               <a:ext uri="{FF2B5EF4-FFF2-40B4-BE49-F238E27FC236}">
-                <a16:creationId xmlns:a16="http://schemas.microsoft.com/office/drawing/2014/main" id="{34041CF6-9357-FFEF-0DAA-767CDE491171}"/>
+                <a16:creationId xmlns:a16="http://schemas.microsoft.com/office/drawing/2014/main" id="{37B4E88E-6542-0C81-35C3-E28C7F5893C0}"/>
               </a:ext>
             </a:extLst>
           </p:cNvPr>
@@ -1987,7 +1987,7 @@
           <p:cNvPr id="5" name="灯片编号占位符 4">
             <a:extLst>
               <a:ext uri="{FF2B5EF4-FFF2-40B4-BE49-F238E27FC236}">
-                <a16:creationId xmlns:a16="http://schemas.microsoft.com/office/drawing/2014/main" id="{B5913A91-9F9B-F2D3-F4FA-340B3B807C67}"/>
+                <a16:creationId xmlns:a16="http://schemas.microsoft.com/office/drawing/2014/main" id="{135BC442-5E3E-9248-3135-A5C7C0B81F10}"/>
               </a:ext>
             </a:extLst>
           </p:cNvPr>
@@ -2003,7 +2003,7 @@
           <a:bodyPr/>
           <a:lstStyle/>
           <a:p>
-            <a:fld id="{F6B87D90-93B5-461F-B2CE-A0D66C89F80F}" type="slidenum">
+            <a:fld id="{DD51E573-D595-4913-A69C-FFE51F585902}" type="slidenum">
               <a:rPr lang="zh-CN" altLang="en-US" smtClean="0"/>
               <a:t>‹#›</a:t>
             </a:fld>
@@ -2014,7 +2014,7 @@
     </p:spTree>
     <p:extLst>
       <p:ext uri="{BB962C8B-B14F-4D97-AF65-F5344CB8AC3E}">
-        <p14:creationId xmlns:p14="http://schemas.microsoft.com/office/powerpoint/2010/main" val="526127408"/>
+        <p14:creationId xmlns:p14="http://schemas.microsoft.com/office/powerpoint/2010/main" val="1517608180"/>
       </p:ext>
     </p:extLst>
   </p:cSld>
@@ -2046,7 +2046,7 @@
           <p:cNvPr id="2" name="日期占位符 1">
             <a:extLst>
               <a:ext uri="{FF2B5EF4-FFF2-40B4-BE49-F238E27FC236}">
-                <a16:creationId xmlns:a16="http://schemas.microsoft.com/office/drawing/2014/main" id="{0DD8D2D4-31DB-6791-AF67-2010EE2D62AD}"/>
+                <a16:creationId xmlns:a16="http://schemas.microsoft.com/office/drawing/2014/main" id="{EDE38AA9-8716-21B6-B5FA-762E0E5EBEA3}"/>
               </a:ext>
             </a:extLst>
           </p:cNvPr>
@@ -2062,7 +2062,7 @@
           <a:bodyPr/>
           <a:lstStyle/>
           <a:p>
-            <a:fld id="{349F8B50-84F5-489C-8FDE-343EB8B3B3E4}" type="datetimeFigureOut">
+            <a:fld id="{2F7E5EF4-C793-4F94-8F0D-63E9151F4E51}" type="datetimeFigureOut">
               <a:rPr lang="zh-CN" altLang="en-US" smtClean="0"/>
               <a:t>2024/3/10</a:t>
             </a:fld>
@@ -2075,7 +2075,7 @@
           <p:cNvPr id="3" name="页脚占位符 2">
             <a:extLst>
               <a:ext uri="{FF2B5EF4-FFF2-40B4-BE49-F238E27FC236}">
-                <a16:creationId xmlns:a16="http://schemas.microsoft.com/office/drawing/2014/main" id="{A929BE31-DF46-9ADD-54FC-C963A016B5F4}"/>
+                <a16:creationId xmlns:a16="http://schemas.microsoft.com/office/drawing/2014/main" id="{F5CC9533-3E1C-2D50-D361-A2960380DE1C}"/>
               </a:ext>
             </a:extLst>
           </p:cNvPr>
@@ -2100,7 +2100,7 @@
           <p:cNvPr id="4" name="灯片编号占位符 3">
             <a:extLst>
               <a:ext uri="{FF2B5EF4-FFF2-40B4-BE49-F238E27FC236}">
-                <a16:creationId xmlns:a16="http://schemas.microsoft.com/office/drawing/2014/main" id="{CD71C750-9FF2-EF13-9D89-E6537490E4F5}"/>
+                <a16:creationId xmlns:a16="http://schemas.microsoft.com/office/drawing/2014/main" id="{FBC5A2E0-A319-78B9-C3C7-2C0F7DD8455E}"/>
               </a:ext>
             </a:extLst>
           </p:cNvPr>
@@ -2116,7 +2116,7 @@
           <a:bodyPr/>
           <a:lstStyle/>
           <a:p>
-            <a:fld id="{F6B87D90-93B5-461F-B2CE-A0D66C89F80F}" type="slidenum">
+            <a:fld id="{DD51E573-D595-4913-A69C-FFE51F585902}" type="slidenum">
               <a:rPr lang="zh-CN" altLang="en-US" smtClean="0"/>
               <a:t>‹#›</a:t>
             </a:fld>
@@ -2127,7 +2127,7 @@
     </p:spTree>
     <p:extLst>
       <p:ext uri="{BB962C8B-B14F-4D97-AF65-F5344CB8AC3E}">
-        <p14:creationId xmlns:p14="http://schemas.microsoft.com/office/powerpoint/2010/main" val="3897606857"/>
+        <p14:creationId xmlns:p14="http://schemas.microsoft.com/office/powerpoint/2010/main" val="726963387"/>
       </p:ext>
     </p:extLst>
   </p:cSld>
@@ -2159,7 +2159,7 @@
           <p:cNvPr id="2" name="标题 1">
             <a:extLst>
               <a:ext uri="{FF2B5EF4-FFF2-40B4-BE49-F238E27FC236}">
-                <a16:creationId xmlns:a16="http://schemas.microsoft.com/office/drawing/2014/main" id="{31D856CA-4A75-C0E8-ED68-1610E6790E55}"/>
+                <a16:creationId xmlns:a16="http://schemas.microsoft.com/office/drawing/2014/main" id="{0E2AEDE1-ED72-984E-6212-C83F494BF923}"/>
               </a:ext>
             </a:extLst>
           </p:cNvPr>
@@ -2196,7 +2196,7 @@
           <p:cNvPr id="3" name="内容占位符 2">
             <a:extLst>
               <a:ext uri="{FF2B5EF4-FFF2-40B4-BE49-F238E27FC236}">
-                <a16:creationId xmlns:a16="http://schemas.microsoft.com/office/drawing/2014/main" id="{A7754677-F5DD-6DD5-4B25-9F41D038EC3C}"/>
+                <a16:creationId xmlns:a16="http://schemas.microsoft.com/office/drawing/2014/main" id="{A1853073-9DB6-B5B8-BFB0-4C7C7AE71EA9}"/>
               </a:ext>
             </a:extLst>
           </p:cNvPr>
@@ -2286,7 +2286,7 @@
           <p:cNvPr id="4" name="文本占位符 3">
             <a:extLst>
               <a:ext uri="{FF2B5EF4-FFF2-40B4-BE49-F238E27FC236}">
-                <a16:creationId xmlns:a16="http://schemas.microsoft.com/office/drawing/2014/main" id="{A487BEA4-E4E0-9321-59B2-7D8E359F288C}"/>
+                <a16:creationId xmlns:a16="http://schemas.microsoft.com/office/drawing/2014/main" id="{97A902C3-528E-1681-6744-3FDE4026635D}"/>
               </a:ext>
             </a:extLst>
           </p:cNvPr>
@@ -2357,7 +2357,7 @@
           <p:cNvPr id="5" name="日期占位符 4">
             <a:extLst>
               <a:ext uri="{FF2B5EF4-FFF2-40B4-BE49-F238E27FC236}">
-                <a16:creationId xmlns:a16="http://schemas.microsoft.com/office/drawing/2014/main" id="{9BA02A18-EF5F-F466-0322-A7C1B706AFC8}"/>
+                <a16:creationId xmlns:a16="http://schemas.microsoft.com/office/drawing/2014/main" id="{BB70F685-2C2A-DB21-C763-EF9EE5EA3D61}"/>
               </a:ext>
             </a:extLst>
           </p:cNvPr>
@@ -2373,7 +2373,7 @@
           <a:bodyPr/>
           <a:lstStyle/>
           <a:p>
-            <a:fld id="{349F8B50-84F5-489C-8FDE-343EB8B3B3E4}" type="datetimeFigureOut">
+            <a:fld id="{2F7E5EF4-C793-4F94-8F0D-63E9151F4E51}" type="datetimeFigureOut">
               <a:rPr lang="zh-CN" altLang="en-US" smtClean="0"/>
               <a:t>2024/3/10</a:t>
             </a:fld>
@@ -2386,7 +2386,7 @@
           <p:cNvPr id="6" name="页脚占位符 5">
             <a:extLst>
               <a:ext uri="{FF2B5EF4-FFF2-40B4-BE49-F238E27FC236}">
-                <a16:creationId xmlns:a16="http://schemas.microsoft.com/office/drawing/2014/main" id="{9F43EA2E-E447-0A90-E0C5-89FB3B5434D7}"/>
+                <a16:creationId xmlns:a16="http://schemas.microsoft.com/office/drawing/2014/main" id="{50274645-BD5B-E3A9-F3BD-16F92CEC4BE8}"/>
               </a:ext>
             </a:extLst>
           </p:cNvPr>
@@ -2411,7 +2411,7 @@
           <p:cNvPr id="7" name="灯片编号占位符 6">
             <a:extLst>
               <a:ext uri="{FF2B5EF4-FFF2-40B4-BE49-F238E27FC236}">
-                <a16:creationId xmlns:a16="http://schemas.microsoft.com/office/drawing/2014/main" id="{B1C15FB6-5781-CAB6-9054-08FF77A0A4BA}"/>
+                <a16:creationId xmlns:a16="http://schemas.microsoft.com/office/drawing/2014/main" id="{E0B787F4-E5BB-80AF-44CC-856D0FF08982}"/>
               </a:ext>
             </a:extLst>
           </p:cNvPr>
@@ -2427,7 +2427,7 @@
           <a:bodyPr/>
           <a:lstStyle/>
           <a:p>
-            <a:fld id="{F6B87D90-93B5-461F-B2CE-A0D66C89F80F}" type="slidenum">
+            <a:fld id="{DD51E573-D595-4913-A69C-FFE51F585902}" type="slidenum">
               <a:rPr lang="zh-CN" altLang="en-US" smtClean="0"/>
               <a:t>‹#›</a:t>
             </a:fld>
@@ -2438,7 +2438,7 @@
     </p:spTree>
     <p:extLst>
       <p:ext uri="{BB962C8B-B14F-4D97-AF65-F5344CB8AC3E}">
-        <p14:creationId xmlns:p14="http://schemas.microsoft.com/office/powerpoint/2010/main" val="2791610962"/>
+        <p14:creationId xmlns:p14="http://schemas.microsoft.com/office/powerpoint/2010/main" val="2639524927"/>
       </p:ext>
     </p:extLst>
   </p:cSld>
@@ -2470,7 +2470,7 @@
           <p:cNvPr id="2" name="标题 1">
             <a:extLst>
               <a:ext uri="{FF2B5EF4-FFF2-40B4-BE49-F238E27FC236}">
-                <a16:creationId xmlns:a16="http://schemas.microsoft.com/office/drawing/2014/main" id="{D48576D6-2C40-3F7D-B40E-9E74A361D4B4}"/>
+                <a16:creationId xmlns:a16="http://schemas.microsoft.com/office/drawing/2014/main" id="{D187AA61-EA44-8C47-0D2D-878985CB0EFC}"/>
               </a:ext>
             </a:extLst>
           </p:cNvPr>
@@ -2507,7 +2507,7 @@
           <p:cNvPr id="3" name="图片占位符 2">
             <a:extLst>
               <a:ext uri="{FF2B5EF4-FFF2-40B4-BE49-F238E27FC236}">
-                <a16:creationId xmlns:a16="http://schemas.microsoft.com/office/drawing/2014/main" id="{DCE031DE-6D1B-0AF2-26E5-50403F1CE6CE}"/>
+                <a16:creationId xmlns:a16="http://schemas.microsoft.com/office/drawing/2014/main" id="{330658CA-D0A0-D311-2B84-3690E2BBD9B9}"/>
               </a:ext>
             </a:extLst>
           </p:cNvPr>
@@ -2574,7 +2574,7 @@
           <p:cNvPr id="4" name="文本占位符 3">
             <a:extLst>
               <a:ext uri="{FF2B5EF4-FFF2-40B4-BE49-F238E27FC236}">
-                <a16:creationId xmlns:a16="http://schemas.microsoft.com/office/drawing/2014/main" id="{788FF384-BD1C-24B5-F462-03FCAB724E64}"/>
+                <a16:creationId xmlns:a16="http://schemas.microsoft.com/office/drawing/2014/main" id="{4E2BF5AE-5821-4E5E-CD3F-0C812933F2F8}"/>
               </a:ext>
             </a:extLst>
           </p:cNvPr>
@@ -2645,7 +2645,7 @@
           <p:cNvPr id="5" name="日期占位符 4">
             <a:extLst>
               <a:ext uri="{FF2B5EF4-FFF2-40B4-BE49-F238E27FC236}">
-                <a16:creationId xmlns:a16="http://schemas.microsoft.com/office/drawing/2014/main" id="{A10CBEAE-9F4C-B63E-B0FD-E859940EE3E3}"/>
+                <a16:creationId xmlns:a16="http://schemas.microsoft.com/office/drawing/2014/main" id="{B862B74D-53DA-CA43-BA8E-658A1C3739D0}"/>
               </a:ext>
             </a:extLst>
           </p:cNvPr>
@@ -2661,7 +2661,7 @@
           <a:bodyPr/>
           <a:lstStyle/>
           <a:p>
-            <a:fld id="{349F8B50-84F5-489C-8FDE-343EB8B3B3E4}" type="datetimeFigureOut">
+            <a:fld id="{2F7E5EF4-C793-4F94-8F0D-63E9151F4E51}" type="datetimeFigureOut">
               <a:rPr lang="zh-CN" altLang="en-US" smtClean="0"/>
               <a:t>2024/3/10</a:t>
             </a:fld>
@@ -2674,7 +2674,7 @@
           <p:cNvPr id="6" name="页脚占位符 5">
             <a:extLst>
               <a:ext uri="{FF2B5EF4-FFF2-40B4-BE49-F238E27FC236}">
-                <a16:creationId xmlns:a16="http://schemas.microsoft.com/office/drawing/2014/main" id="{A0168865-6CD0-1719-61BA-2C282200EA32}"/>
+                <a16:creationId xmlns:a16="http://schemas.microsoft.com/office/drawing/2014/main" id="{A479F9BD-7911-D127-632C-F22D8FFAE9F2}"/>
               </a:ext>
             </a:extLst>
           </p:cNvPr>
@@ -2699,7 +2699,7 @@
           <p:cNvPr id="7" name="灯片编号占位符 6">
             <a:extLst>
               <a:ext uri="{FF2B5EF4-FFF2-40B4-BE49-F238E27FC236}">
-                <a16:creationId xmlns:a16="http://schemas.microsoft.com/office/drawing/2014/main" id="{89BB822F-FB5D-3062-BB32-BC0D06A5DDF4}"/>
+                <a16:creationId xmlns:a16="http://schemas.microsoft.com/office/drawing/2014/main" id="{7B5921DC-52D3-EA80-8CAA-71D6D1BBFC9E}"/>
               </a:ext>
             </a:extLst>
           </p:cNvPr>
@@ -2715,7 +2715,7 @@
           <a:bodyPr/>
           <a:lstStyle/>
           <a:p>
-            <a:fld id="{F6B87D90-93B5-461F-B2CE-A0D66C89F80F}" type="slidenum">
+            <a:fld id="{DD51E573-D595-4913-A69C-FFE51F585902}" type="slidenum">
               <a:rPr lang="zh-CN" altLang="en-US" smtClean="0"/>
               <a:t>‹#›</a:t>
             </a:fld>
@@ -2726,7 +2726,7 @@
     </p:spTree>
     <p:extLst>
       <p:ext uri="{BB962C8B-B14F-4D97-AF65-F5344CB8AC3E}">
-        <p14:creationId xmlns:p14="http://schemas.microsoft.com/office/powerpoint/2010/main" val="336752632"/>
+        <p14:creationId xmlns:p14="http://schemas.microsoft.com/office/powerpoint/2010/main" val="4251753436"/>
       </p:ext>
     </p:extLst>
   </p:cSld>
@@ -2763,7 +2763,7 @@
           <p:cNvPr id="2" name="标题占位符 1">
             <a:extLst>
               <a:ext uri="{FF2B5EF4-FFF2-40B4-BE49-F238E27FC236}">
-                <a16:creationId xmlns:a16="http://schemas.microsoft.com/office/drawing/2014/main" id="{1DDF54A5-1937-FC53-258B-5F735927B9A9}"/>
+                <a16:creationId xmlns:a16="http://schemas.microsoft.com/office/drawing/2014/main" id="{7DF7EF22-959C-FB50-1A02-14CA9873F815}"/>
               </a:ext>
             </a:extLst>
           </p:cNvPr>
@@ -2801,7 +2801,7 @@
           <p:cNvPr id="3" name="文本占位符 2">
             <a:extLst>
               <a:ext uri="{FF2B5EF4-FFF2-40B4-BE49-F238E27FC236}">
-                <a16:creationId xmlns:a16="http://schemas.microsoft.com/office/drawing/2014/main" id="{B6F9E414-FB87-06C1-E7D6-9D88C84AC05B}"/>
+                <a16:creationId xmlns:a16="http://schemas.microsoft.com/office/drawing/2014/main" id="{870447F3-0A08-255B-B973-F3F913A729AD}"/>
               </a:ext>
             </a:extLst>
           </p:cNvPr>
@@ -2868,7 +2868,7 @@
           <p:cNvPr id="4" name="日期占位符 3">
             <a:extLst>
               <a:ext uri="{FF2B5EF4-FFF2-40B4-BE49-F238E27FC236}">
-                <a16:creationId xmlns:a16="http://schemas.microsoft.com/office/drawing/2014/main" id="{26984954-FB57-6E84-B852-B84AA2724120}"/>
+                <a16:creationId xmlns:a16="http://schemas.microsoft.com/office/drawing/2014/main" id="{B2A3C4F3-F393-C667-A4FB-0ED685DE0957}"/>
               </a:ext>
             </a:extLst>
           </p:cNvPr>
@@ -2902,7 +2902,7 @@
             </a:lvl1pPr>
           </a:lstStyle>
           <a:p>
-            <a:fld id="{349F8B50-84F5-489C-8FDE-343EB8B3B3E4}" type="datetimeFigureOut">
+            <a:fld id="{2F7E5EF4-C793-4F94-8F0D-63E9151F4E51}" type="datetimeFigureOut">
               <a:rPr lang="zh-CN" altLang="en-US" smtClean="0"/>
               <a:t>2024/3/10</a:t>
             </a:fld>
@@ -2915,7 +2915,7 @@
           <p:cNvPr id="5" name="页脚占位符 4">
             <a:extLst>
               <a:ext uri="{FF2B5EF4-FFF2-40B4-BE49-F238E27FC236}">
-                <a16:creationId xmlns:a16="http://schemas.microsoft.com/office/drawing/2014/main" id="{DA7C1C1F-526B-5529-4769-62BBBDE39F3C}"/>
+                <a16:creationId xmlns:a16="http://schemas.microsoft.com/office/drawing/2014/main" id="{B35AE960-C96C-759B-FDD7-209F5B6AFD0E}"/>
               </a:ext>
             </a:extLst>
           </p:cNvPr>
@@ -2958,7 +2958,7 @@
           <p:cNvPr id="6" name="灯片编号占位符 5">
             <a:extLst>
               <a:ext uri="{FF2B5EF4-FFF2-40B4-BE49-F238E27FC236}">
-                <a16:creationId xmlns:a16="http://schemas.microsoft.com/office/drawing/2014/main" id="{60A6702E-CD14-E6BC-8C3F-A4D1962394C7}"/>
+                <a16:creationId xmlns:a16="http://schemas.microsoft.com/office/drawing/2014/main" id="{60B0B38E-F825-4AD7-FAAD-C4B2068C9FFC}"/>
               </a:ext>
             </a:extLst>
           </p:cNvPr>
@@ -2992,7 +2992,7 @@
             </a:lvl1pPr>
           </a:lstStyle>
           <a:p>
-            <a:fld id="{F6B87D90-93B5-461F-B2CE-A0D66C89F80F}" type="slidenum">
+            <a:fld id="{DD51E573-D595-4913-A69C-FFE51F585902}" type="slidenum">
               <a:rPr lang="zh-CN" altLang="en-US" smtClean="0"/>
               <a:t>‹#›</a:t>
             </a:fld>
@@ -3003,7 +3003,7 @@
     </p:spTree>
     <p:extLst>
       <p:ext uri="{BB962C8B-B14F-4D97-AF65-F5344CB8AC3E}">
-        <p14:creationId xmlns:p14="http://schemas.microsoft.com/office/powerpoint/2010/main" val="3818531109"/>
+        <p14:creationId xmlns:p14="http://schemas.microsoft.com/office/powerpoint/2010/main" val="3588423346"/>
       </p:ext>
     </p:extLst>
   </p:cSld>
@@ -3323,7 +3323,7 @@
       </p:grpSpPr>
       <p:pic>
         <p:nvPicPr>
-          <p:cNvPr id="955394" name="Picture 2" descr="932"/>
+          <p:cNvPr id="956418" name="Picture 2" descr="933"/>
           <p:cNvPicPr>
             <a:picLocks noChangeAspect="1" noChangeArrowheads="1"/>
           </p:cNvPicPr>
@@ -3344,8 +3344,8 @@
         </p:blipFill>
         <p:spPr bwMode="auto">
           <a:xfrm>
-            <a:off x="1524000" y="1"/>
-            <a:ext cx="9124950" cy="6843713"/>
+            <a:off x="1524000" y="0"/>
+            <a:ext cx="9144000" cy="6858000"/>
           </a:xfrm>
           <a:prstGeom prst="rect">
             <a:avLst/>
@@ -3377,7 +3377,7 @@
       </p:pic>
       <p:pic>
         <p:nvPicPr>
-          <p:cNvPr id="956419" name="Picture 3" descr="932-2"/>
+          <p:cNvPr id="957443" name="Picture 3" descr="933-2"/>
           <p:cNvPicPr>
             <a:picLocks noChangeAspect="1" noChangeArrowheads="1"/>
           </p:cNvPicPr>
@@ -3398,8 +3398,8 @@
         </p:blipFill>
         <p:spPr bwMode="auto">
           <a:xfrm>
-            <a:off x="1524000" y="0"/>
-            <a:ext cx="9144000" cy="6858000"/>
+            <a:off x="1501776" y="0"/>
+            <a:ext cx="9129713" cy="6858000"/>
           </a:xfrm>
           <a:prstGeom prst="rect">
             <a:avLst/>
@@ -3478,7 +3478,7 @@
                                           </p:stCondLst>
                                         </p:cTn>
                                         <p:tgtEl>
-                                          <p:spTgt spid="956419"/>
+                                          <p:spTgt spid="957443"/>
                                         </p:tgtEl>
                                         <p:attrNameLst>
                                           <p:attrName>style.visibility</p:attrName>
@@ -3492,7 +3492,7 @@
                                       <p:cBhvr>
                                         <p:cTn id="7" dur="500"/>
                                         <p:tgtEl>
-                                          <p:spTgt spid="956419"/>
+                                          <p:spTgt spid="957443"/>
                                         </p:tgtEl>
                                       </p:cBhvr>
                                     </p:animEffect>
